--- a/assets/lectures/cbw-cshl/2019/full/RNASeq_Module3_Lecture.pptx
+++ b/assets/lectures/cbw-cshl/2019/full/RNASeq_Module3_Lecture.pptx
@@ -5,7 +5,7 @@
     <p:sldMasterId id="2147483648" r:id="rId1"/>
   </p:sldMasterIdLst>
   <p:notesMasterIdLst>
-    <p:notesMasterId r:id="rId28"/>
+    <p:notesMasterId r:id="rId27"/>
   </p:notesMasterIdLst>
   <p:sldIdLst>
     <p:sldId id="256" r:id="rId2"/>
@@ -31,9 +31,8 @@
     <p:sldId id="531" r:id="rId22"/>
     <p:sldId id="532" r:id="rId23"/>
     <p:sldId id="533" r:id="rId24"/>
-    <p:sldId id="534" r:id="rId25"/>
-    <p:sldId id="535" r:id="rId26"/>
-    <p:sldId id="260" r:id="rId27"/>
+    <p:sldId id="535" r:id="rId25"/>
+    <p:sldId id="260" r:id="rId26"/>
   </p:sldIdLst>
   <p:sldSz cx="12192000" cy="6858000"/>
   <p:notesSz cx="6858000" cy="9144000"/>
@@ -528,14 +527,14 @@
           </a:ln>
           <a:extLst>
             <a:ext uri="{909E8E84-426E-40dd-AFC4-6F175D3DCCD1}">
-              <a14:hiddenFill xmlns:a14="http://schemas.microsoft.com/office/drawing/2010/main" xmlns="">
+              <a14:hiddenFill xmlns="" xmlns:a14="http://schemas.microsoft.com/office/drawing/2010/main">
                 <a:solidFill>
                   <a:srgbClr val="FFFFFF"/>
                 </a:solidFill>
               </a14:hiddenFill>
             </a:ext>
             <a:ext uri="{FAA26D3D-D897-4be2-8F04-BA451C77F1D7}">
-              <ma14:placeholderFlag xmlns:ma14="http://schemas.microsoft.com/office/mac/drawingml/2011/main" xmlns="" val="1"/>
+              <ma14:placeholderFlag xmlns="" xmlns:ma14="http://schemas.microsoft.com/office/mac/drawingml/2011/main" val="1"/>
             </a:ext>
           </a:extLst>
         </p:spPr>
@@ -554,14 +553,14 @@
           <a:noFill/>
           <a:extLst>
             <a:ext uri="{909E8E84-426E-40dd-AFC4-6F175D3DCCD1}">
-              <a14:hiddenFill xmlns:a14="http://schemas.microsoft.com/office/drawing/2010/main" xmlns="">
+              <a14:hiddenFill xmlns="" xmlns:a14="http://schemas.microsoft.com/office/drawing/2010/main">
                 <a:solidFill>
                   <a:srgbClr val="FFFFFF"/>
                 </a:solidFill>
               </a14:hiddenFill>
             </a:ext>
             <a:ext uri="{91240B29-F687-4f45-9708-019B960494DF}">
-              <a14:hiddenLine xmlns:a14="http://schemas.microsoft.com/office/drawing/2010/main" xmlns="" w="9525">
+              <a14:hiddenLine xmlns="" xmlns:a14="http://schemas.microsoft.com/office/drawing/2010/main" w="9525">
                 <a:solidFill>
                   <a:srgbClr val="000000"/>
                 </a:solidFill>
@@ -571,7 +570,7 @@
               </a14:hiddenLine>
             </a:ext>
             <a:ext uri="{FAA26D3D-D897-4be2-8F04-BA451C77F1D7}">
-              <ma14:placeholderFlag xmlns:ma14="http://schemas.microsoft.com/office/mac/drawingml/2011/main" xmlns="" val="1"/>
+              <ma14:placeholderFlag xmlns="" xmlns:ma14="http://schemas.microsoft.com/office/mac/drawingml/2011/main" val="1"/>
             </a:ext>
           </a:extLst>
         </p:spPr>
@@ -605,14 +604,14 @@
           <a:noFill/>
           <a:extLst>
             <a:ext uri="{909E8E84-426E-40dd-AFC4-6F175D3DCCD1}">
-              <a14:hiddenFill xmlns:a14="http://schemas.microsoft.com/office/drawing/2010/main" xmlns="">
+              <a14:hiddenFill xmlns="" xmlns:a14="http://schemas.microsoft.com/office/drawing/2010/main">
                 <a:solidFill>
                   <a:srgbClr val="FFFFFF"/>
                 </a:solidFill>
               </a14:hiddenFill>
             </a:ext>
             <a:ext uri="{91240B29-F687-4f45-9708-019B960494DF}">
-              <a14:hiddenLine xmlns:a14="http://schemas.microsoft.com/office/drawing/2010/main" xmlns="" w="9525">
+              <a14:hiddenLine xmlns="" xmlns:a14="http://schemas.microsoft.com/office/drawing/2010/main" w="9525">
                 <a:solidFill>
                   <a:srgbClr val="000000"/>
                 </a:solidFill>
@@ -1623,7 +1622,7 @@
           <a:p>
             <a:fld id="{419BFF29-0455-3C47-A931-C775FC776F32}" type="slidenum">
               <a:rPr lang="en-US" smtClean="0"/>
-              <a:t>26</a:t>
+              <a:t>25</a:t>
             </a:fld>
             <a:endParaRPr lang="en-US"/>
           </a:p>
@@ -1896,14 +1895,14 @@
           </a:ln>
           <a:extLst>
             <a:ext uri="{909E8E84-426E-40dd-AFC4-6F175D3DCCD1}">
-              <a14:hiddenFill xmlns:a14="http://schemas.microsoft.com/office/drawing/2010/main" xmlns="">
+              <a14:hiddenFill xmlns="" xmlns:a14="http://schemas.microsoft.com/office/drawing/2010/main">
                 <a:solidFill>
                   <a:srgbClr val="FFFFFF"/>
                 </a:solidFill>
               </a14:hiddenFill>
             </a:ext>
             <a:ext uri="{91240B29-F687-4f45-9708-019B960494DF}">
-              <a14:hiddenLine xmlns:a14="http://schemas.microsoft.com/office/drawing/2010/main" xmlns="" w="9525">
+              <a14:hiddenLine xmlns="" xmlns:a14="http://schemas.microsoft.com/office/drawing/2010/main" w="9525">
                 <a:solidFill>
                   <a:srgbClr val="000000"/>
                 </a:solidFill>
@@ -2808,467 +2807,6 @@
 </p:sldLayout>
 </file>
 
-<file path=ppt/slideLayouts/slideLayout13.xml><?xml version="1.0" encoding="utf-8"?>
-<p:sldLayout xmlns:a="http://schemas.openxmlformats.org/drawingml/2006/main" xmlns:r="http://schemas.openxmlformats.org/officeDocument/2006/relationships" xmlns:p="http://schemas.openxmlformats.org/presentationml/2006/main" userDrawn="1">
-  <p:cSld name="Content">
-    <p:spTree>
-      <p:nvGrpSpPr>
-        <p:cNvPr id="1" name=""/>
-        <p:cNvGrpSpPr/>
-        <p:nvPr/>
-      </p:nvGrpSpPr>
-      <p:grpSpPr>
-        <a:xfrm>
-          <a:off x="0" y="0"/>
-          <a:ext cx="0" cy="0"/>
-          <a:chOff x="0" y="0"/>
-          <a:chExt cx="0" cy="0"/>
-        </a:xfrm>
-      </p:grpSpPr>
-      <p:sp>
-        <p:nvSpPr>
-          <p:cNvPr id="4" name="Rectangle 3"/>
-          <p:cNvSpPr/>
-          <p:nvPr userDrawn="1"/>
-        </p:nvSpPr>
-        <p:spPr>
-          <a:xfrm>
-            <a:off x="0" y="6400800"/>
-            <a:ext cx="12192000" cy="457200"/>
-          </a:xfrm>
-          <a:prstGeom prst="rect">
-            <a:avLst/>
-          </a:prstGeom>
-          <a:solidFill>
-            <a:srgbClr val="CA0000"/>
-          </a:solidFill>
-          <a:ln>
-            <a:noFill/>
-          </a:ln>
-        </p:spPr>
-        <p:style>
-          <a:lnRef idx="2">
-            <a:schemeClr val="accent1">
-              <a:shade val="50000"/>
-            </a:schemeClr>
-          </a:lnRef>
-          <a:fillRef idx="1">
-            <a:schemeClr val="accent1"/>
-          </a:fillRef>
-          <a:effectRef idx="0">
-            <a:schemeClr val="accent1"/>
-          </a:effectRef>
-          <a:fontRef idx="minor">
-            <a:schemeClr val="lt1"/>
-          </a:fontRef>
-        </p:style>
-        <p:txBody>
-          <a:bodyPr anchor="ctr"/>
-          <a:lstStyle/>
-          <a:p>
-            <a:pPr algn="ctr">
-              <a:defRPr/>
-            </a:pPr>
-            <a:endParaRPr lang="en-US" sz="1800">
-              <a:solidFill>
-                <a:srgbClr val="FFFFFF"/>
-              </a:solidFill>
-              <a:latin typeface="Segoe UI" charset="0"/>
-              <a:ea typeface="ＭＳ Ｐゴシック" charset="0"/>
-              <a:cs typeface="ＭＳ Ｐゴシック" charset="0"/>
-            </a:endParaRPr>
-          </a:p>
-        </p:txBody>
-      </p:sp>
-      <p:sp>
-        <p:nvSpPr>
-          <p:cNvPr id="5" name="TextBox 4"/>
-          <p:cNvSpPr txBox="1"/>
-          <p:nvPr userDrawn="1"/>
-        </p:nvSpPr>
-        <p:spPr>
-          <a:xfrm>
-            <a:off x="101600" y="6429375"/>
-            <a:ext cx="8940800" cy="400050"/>
-          </a:xfrm>
-          <a:prstGeom prst="rect">
-            <a:avLst/>
-          </a:prstGeom>
-          <a:noFill/>
-        </p:spPr>
-        <p:txBody>
-          <a:bodyPr>
-            <a:spAutoFit/>
-          </a:bodyPr>
-          <a:lstStyle>
-            <a:lvl1pPr eaLnBrk="0" hangingPunct="0">
-              <a:defRPr sz="2400">
-                <a:solidFill>
-                  <a:schemeClr val="tx1"/>
-                </a:solidFill>
-                <a:latin typeface="Arial" charset="0"/>
-                <a:ea typeface="ＭＳ Ｐゴシック" charset="0"/>
-                <a:cs typeface="ＭＳ Ｐゴシック" charset="0"/>
-              </a:defRPr>
-            </a:lvl1pPr>
-            <a:lvl2pPr marL="37931725" indent="-37474525" eaLnBrk="0" hangingPunct="0">
-              <a:defRPr sz="2400">
-                <a:solidFill>
-                  <a:schemeClr val="tx1"/>
-                </a:solidFill>
-                <a:latin typeface="Arial" charset="0"/>
-                <a:ea typeface="ＭＳ Ｐゴシック" charset="0"/>
-              </a:defRPr>
-            </a:lvl2pPr>
-            <a:lvl3pPr eaLnBrk="0" hangingPunct="0">
-              <a:defRPr sz="2400">
-                <a:solidFill>
-                  <a:schemeClr val="tx1"/>
-                </a:solidFill>
-                <a:latin typeface="Arial" charset="0"/>
-                <a:ea typeface="ＭＳ Ｐゴシック" charset="0"/>
-              </a:defRPr>
-            </a:lvl3pPr>
-            <a:lvl4pPr eaLnBrk="0" hangingPunct="0">
-              <a:defRPr sz="2400">
-                <a:solidFill>
-                  <a:schemeClr val="tx1"/>
-                </a:solidFill>
-                <a:latin typeface="Arial" charset="0"/>
-                <a:ea typeface="ＭＳ Ｐゴシック" charset="0"/>
-              </a:defRPr>
-            </a:lvl4pPr>
-            <a:lvl5pPr eaLnBrk="0" hangingPunct="0">
-              <a:defRPr sz="2400">
-                <a:solidFill>
-                  <a:schemeClr val="tx1"/>
-                </a:solidFill>
-                <a:latin typeface="Arial" charset="0"/>
-                <a:ea typeface="ＭＳ Ｐゴシック" charset="0"/>
-              </a:defRPr>
-            </a:lvl5pPr>
-            <a:lvl6pPr marL="457200" eaLnBrk="0" fontAlgn="base" hangingPunct="0">
-              <a:spcBef>
-                <a:spcPct val="0"/>
-              </a:spcBef>
-              <a:spcAft>
-                <a:spcPct val="0"/>
-              </a:spcAft>
-              <a:defRPr sz="2400">
-                <a:solidFill>
-                  <a:schemeClr val="tx1"/>
-                </a:solidFill>
-                <a:latin typeface="Arial" charset="0"/>
-                <a:ea typeface="ＭＳ Ｐゴシック" charset="0"/>
-              </a:defRPr>
-            </a:lvl6pPr>
-            <a:lvl7pPr marL="914400" eaLnBrk="0" fontAlgn="base" hangingPunct="0">
-              <a:spcBef>
-                <a:spcPct val="0"/>
-              </a:spcBef>
-              <a:spcAft>
-                <a:spcPct val="0"/>
-              </a:spcAft>
-              <a:defRPr sz="2400">
-                <a:solidFill>
-                  <a:schemeClr val="tx1"/>
-                </a:solidFill>
-                <a:latin typeface="Arial" charset="0"/>
-                <a:ea typeface="ＭＳ Ｐゴシック" charset="0"/>
-              </a:defRPr>
-            </a:lvl7pPr>
-            <a:lvl8pPr marL="1371600" eaLnBrk="0" fontAlgn="base" hangingPunct="0">
-              <a:spcBef>
-                <a:spcPct val="0"/>
-              </a:spcBef>
-              <a:spcAft>
-                <a:spcPct val="0"/>
-              </a:spcAft>
-              <a:defRPr sz="2400">
-                <a:solidFill>
-                  <a:schemeClr val="tx1"/>
-                </a:solidFill>
-                <a:latin typeface="Arial" charset="0"/>
-                <a:ea typeface="ＭＳ Ｐゴシック" charset="0"/>
-              </a:defRPr>
-            </a:lvl8pPr>
-            <a:lvl9pPr marL="1828800" eaLnBrk="0" fontAlgn="base" hangingPunct="0">
-              <a:spcBef>
-                <a:spcPct val="0"/>
-              </a:spcBef>
-              <a:spcAft>
-                <a:spcPct val="0"/>
-              </a:spcAft>
-              <a:defRPr sz="2400">
-                <a:solidFill>
-                  <a:schemeClr val="tx1"/>
-                </a:solidFill>
-                <a:latin typeface="Arial" charset="0"/>
-                <a:ea typeface="ＭＳ Ｐゴシック" charset="0"/>
-              </a:defRPr>
-            </a:lvl9pPr>
-          </a:lstStyle>
-          <a:p>
-            <a:pPr eaLnBrk="1" hangingPunct="1">
-              <a:defRPr/>
-            </a:pPr>
-            <a:r>
-              <a:rPr lang="en-US" sz="2000" b="1">
-                <a:solidFill>
-                  <a:schemeClr val="bg1"/>
-                </a:solidFill>
-                <a:latin typeface="Calibri" charset="0"/>
-                <a:cs typeface="Calibri" charset="0"/>
-              </a:rPr>
-              <a:t>RNA sequencing and analysis</a:t>
-            </a:r>
-          </a:p>
-        </p:txBody>
-      </p:sp>
-      <p:sp>
-        <p:nvSpPr>
-          <p:cNvPr id="6" name="TextBox 5"/>
-          <p:cNvSpPr txBox="1"/>
-          <p:nvPr userDrawn="1"/>
-        </p:nvSpPr>
-        <p:spPr>
-          <a:xfrm>
-            <a:off x="8229600" y="6477000"/>
-            <a:ext cx="3860800" cy="338138"/>
-          </a:xfrm>
-          <a:prstGeom prst="rect">
-            <a:avLst/>
-          </a:prstGeom>
-          <a:noFill/>
-        </p:spPr>
-        <p:txBody>
-          <a:bodyPr>
-            <a:spAutoFit/>
-          </a:bodyPr>
-          <a:lstStyle>
-            <a:lvl1pPr eaLnBrk="0" hangingPunct="0">
-              <a:defRPr sz="2400">
-                <a:solidFill>
-                  <a:schemeClr val="tx1"/>
-                </a:solidFill>
-                <a:latin typeface="Arial" charset="0"/>
-                <a:ea typeface="ＭＳ Ｐゴシック" charset="0"/>
-                <a:cs typeface="ＭＳ Ｐゴシック" charset="0"/>
-              </a:defRPr>
-            </a:lvl1pPr>
-            <a:lvl2pPr marL="37931725" indent="-37474525" eaLnBrk="0" hangingPunct="0">
-              <a:defRPr sz="2400">
-                <a:solidFill>
-                  <a:schemeClr val="tx1"/>
-                </a:solidFill>
-                <a:latin typeface="Arial" charset="0"/>
-                <a:ea typeface="ＭＳ Ｐゴシック" charset="0"/>
-              </a:defRPr>
-            </a:lvl2pPr>
-            <a:lvl3pPr eaLnBrk="0" hangingPunct="0">
-              <a:defRPr sz="2400">
-                <a:solidFill>
-                  <a:schemeClr val="tx1"/>
-                </a:solidFill>
-                <a:latin typeface="Arial" charset="0"/>
-                <a:ea typeface="ＭＳ Ｐゴシック" charset="0"/>
-              </a:defRPr>
-            </a:lvl3pPr>
-            <a:lvl4pPr eaLnBrk="0" hangingPunct="0">
-              <a:defRPr sz="2400">
-                <a:solidFill>
-                  <a:schemeClr val="tx1"/>
-                </a:solidFill>
-                <a:latin typeface="Arial" charset="0"/>
-                <a:ea typeface="ＭＳ Ｐゴシック" charset="0"/>
-              </a:defRPr>
-            </a:lvl4pPr>
-            <a:lvl5pPr eaLnBrk="0" hangingPunct="0">
-              <a:defRPr sz="2400">
-                <a:solidFill>
-                  <a:schemeClr val="tx1"/>
-                </a:solidFill>
-                <a:latin typeface="Arial" charset="0"/>
-                <a:ea typeface="ＭＳ Ｐゴシック" charset="0"/>
-              </a:defRPr>
-            </a:lvl5pPr>
-            <a:lvl6pPr marL="457200" eaLnBrk="0" fontAlgn="base" hangingPunct="0">
-              <a:spcBef>
-                <a:spcPct val="0"/>
-              </a:spcBef>
-              <a:spcAft>
-                <a:spcPct val="0"/>
-              </a:spcAft>
-              <a:defRPr sz="2400">
-                <a:solidFill>
-                  <a:schemeClr val="tx1"/>
-                </a:solidFill>
-                <a:latin typeface="Arial" charset="0"/>
-                <a:ea typeface="ＭＳ Ｐゴシック" charset="0"/>
-              </a:defRPr>
-            </a:lvl6pPr>
-            <a:lvl7pPr marL="914400" eaLnBrk="0" fontAlgn="base" hangingPunct="0">
-              <a:spcBef>
-                <a:spcPct val="0"/>
-              </a:spcBef>
-              <a:spcAft>
-                <a:spcPct val="0"/>
-              </a:spcAft>
-              <a:defRPr sz="2400">
-                <a:solidFill>
-                  <a:schemeClr val="tx1"/>
-                </a:solidFill>
-                <a:latin typeface="Arial" charset="0"/>
-                <a:ea typeface="ＭＳ Ｐゴシック" charset="0"/>
-              </a:defRPr>
-            </a:lvl7pPr>
-            <a:lvl8pPr marL="1371600" eaLnBrk="0" fontAlgn="base" hangingPunct="0">
-              <a:spcBef>
-                <a:spcPct val="0"/>
-              </a:spcBef>
-              <a:spcAft>
-                <a:spcPct val="0"/>
-              </a:spcAft>
-              <a:defRPr sz="2400">
-                <a:solidFill>
-                  <a:schemeClr val="tx1"/>
-                </a:solidFill>
-                <a:latin typeface="Arial" charset="0"/>
-                <a:ea typeface="ＭＳ Ｐゴシック" charset="0"/>
-              </a:defRPr>
-            </a:lvl8pPr>
-            <a:lvl9pPr marL="1828800" eaLnBrk="0" fontAlgn="base" hangingPunct="0">
-              <a:spcBef>
-                <a:spcPct val="0"/>
-              </a:spcBef>
-              <a:spcAft>
-                <a:spcPct val="0"/>
-              </a:spcAft>
-              <a:defRPr sz="2400">
-                <a:solidFill>
-                  <a:schemeClr val="tx1"/>
-                </a:solidFill>
-                <a:latin typeface="Arial" charset="0"/>
-                <a:ea typeface="ＭＳ Ｐゴシック" charset="0"/>
-              </a:defRPr>
-            </a:lvl9pPr>
-          </a:lstStyle>
-          <a:p>
-            <a:pPr algn="r" eaLnBrk="1" hangingPunct="1">
-              <a:defRPr/>
-            </a:pPr>
-            <a:r>
-              <a:rPr lang="en-US" sz="1600" b="1">
-                <a:cs typeface="Arial" charset="0"/>
-              </a:rPr>
-              <a:t>http://meetings.cshl.edu/</a:t>
-            </a:r>
-            <a:endParaRPr lang="en-US" sz="1600">
-              <a:cs typeface="Arial" charset="0"/>
-            </a:endParaRPr>
-          </a:p>
-        </p:txBody>
-      </p:sp>
-      <p:sp>
-        <p:nvSpPr>
-          <p:cNvPr id="3" name="Content Placeholder 2"/>
-          <p:cNvSpPr>
-            <a:spLocks noGrp="1"/>
-          </p:cNvSpPr>
-          <p:nvPr>
-            <p:ph idx="1"/>
-          </p:nvPr>
-        </p:nvSpPr>
-        <p:spPr>
-          <a:xfrm>
-            <a:off x="203200" y="152400"/>
-            <a:ext cx="11785600" cy="6172200"/>
-          </a:xfrm>
-        </p:spPr>
-        <p:txBody>
-          <a:bodyPr/>
-          <a:lstStyle>
-            <a:lvl1pPr>
-              <a:defRPr sz="2800">
-                <a:latin typeface="Calibri"/>
-                <a:cs typeface="Calibri"/>
-              </a:defRPr>
-            </a:lvl1pPr>
-            <a:lvl2pPr>
-              <a:defRPr sz="2400">
-                <a:latin typeface="Calibri"/>
-                <a:cs typeface="Calibri"/>
-              </a:defRPr>
-            </a:lvl2pPr>
-            <a:lvl3pPr>
-              <a:defRPr sz="2000">
-                <a:latin typeface="Calibri"/>
-                <a:cs typeface="Calibri"/>
-              </a:defRPr>
-            </a:lvl3pPr>
-            <a:lvl4pPr>
-              <a:defRPr sz="1800">
-                <a:latin typeface="Calibri"/>
-                <a:cs typeface="Calibri"/>
-              </a:defRPr>
-            </a:lvl4pPr>
-            <a:lvl5pPr>
-              <a:defRPr sz="1800">
-                <a:latin typeface="Calibri"/>
-                <a:cs typeface="Calibri"/>
-              </a:defRPr>
-            </a:lvl5pPr>
-          </a:lstStyle>
-          <a:p>
-            <a:pPr lvl="0"/>
-            <a:r>
-              <a:rPr lang="en-US" dirty="0"/>
-              <a:t>Click to edit Master text styles</a:t>
-            </a:r>
-          </a:p>
-          <a:p>
-            <a:pPr lvl="1"/>
-            <a:r>
-              <a:rPr lang="en-US" dirty="0"/>
-              <a:t>Second level</a:t>
-            </a:r>
-          </a:p>
-          <a:p>
-            <a:pPr lvl="2"/>
-            <a:r>
-              <a:rPr lang="en-US" dirty="0"/>
-              <a:t>Third level</a:t>
-            </a:r>
-          </a:p>
-          <a:p>
-            <a:pPr lvl="3"/>
-            <a:r>
-              <a:rPr lang="en-US" dirty="0"/>
-              <a:t>Fourth level</a:t>
-            </a:r>
-          </a:p>
-          <a:p>
-            <a:pPr lvl="4"/>
-            <a:r>
-              <a:rPr lang="en-US" dirty="0"/>
-              <a:t>Fifth level</a:t>
-            </a:r>
-          </a:p>
-        </p:txBody>
-      </p:sp>
-    </p:spTree>
-    <p:extLst>
-      <p:ext uri="{BB962C8B-B14F-4D97-AF65-F5344CB8AC3E}">
-        <p14:creationId xmlns:p14="http://schemas.microsoft.com/office/powerpoint/2010/main" val="3569698745"/>
-      </p:ext>
-    </p:extLst>
-  </p:cSld>
-  <p:clrMapOvr>
-    <a:masterClrMapping/>
-  </p:clrMapOvr>
-</p:sldLayout>
-</file>
-
 <file path=ppt/slideLayouts/slideLayout2.xml><?xml version="1.0" encoding="utf-8"?>
 <p:sldLayout xmlns:a="http://schemas.openxmlformats.org/drawingml/2006/main" xmlns:r="http://schemas.openxmlformats.org/officeDocument/2006/relationships" xmlns:p="http://schemas.openxmlformats.org/presentationml/2006/main" type="obj" preserve="1">
   <p:cSld name="Title and Content">
@@ -5241,14 +4779,14 @@
           </a:ln>
           <a:extLst>
             <a:ext uri="{909E8E84-426E-40dd-AFC4-6F175D3DCCD1}">
-              <a14:hiddenFill xmlns:a14="http://schemas.microsoft.com/office/drawing/2010/main" xmlns="">
+              <a14:hiddenFill xmlns="" xmlns:a14="http://schemas.microsoft.com/office/drawing/2010/main">
                 <a:solidFill>
                   <a:srgbClr val="FFFFFF"/>
                 </a:solidFill>
               </a14:hiddenFill>
             </a:ext>
             <a:ext uri="{91240B29-F687-4f45-9708-019B960494DF}">
-              <a14:hiddenLine xmlns:a14="http://schemas.microsoft.com/office/drawing/2010/main" xmlns="" w="9525">
+              <a14:hiddenLine xmlns="" xmlns:a14="http://schemas.microsoft.com/office/drawing/2010/main" w="9525">
                 <a:solidFill>
                   <a:srgbClr val="000000"/>
                 </a:solidFill>
@@ -5383,7 +4921,7 @@
                 <a:latin typeface="Calibri" charset="0"/>
                 <a:cs typeface="Calibri" charset="0"/>
               </a:rPr>
-              <a:t>Module </a:t>
+              <a:t>Module 9</a:t>
             </a:r>
           </a:p>
         </p:txBody>
@@ -5571,7 +5109,6 @@
     <p:sldLayoutId id="2147483658" r:id="rId10"/>
     <p:sldLayoutId id="2147483659" r:id="rId11"/>
     <p:sldLayoutId id="2147483660" r:id="rId12"/>
-    <p:sldLayoutId id="2147483661" r:id="rId13"/>
   </p:sldLayoutIdLst>
   <p:txStyles>
     <p:titleStyle>
@@ -8996,83 +8533,6 @@
       </p:grpSpPr>
       <p:sp>
         <p:nvSpPr>
-          <p:cNvPr id="17409" name="Content Placeholder 3"/>
-          <p:cNvSpPr>
-            <a:spLocks noGrp="1"/>
-          </p:cNvSpPr>
-          <p:nvPr>
-            <p:ph idx="1"/>
-          </p:nvPr>
-        </p:nvSpPr>
-        <p:spPr>
-          <a:xfrm>
-            <a:off x="1676400" y="2667000"/>
-            <a:ext cx="8839200" cy="1600200"/>
-          </a:xfrm>
-        </p:spPr>
-        <p:txBody>
-          <a:bodyPr/>
-          <a:lstStyle/>
-          <a:p>
-            <a:pPr algn="ctr">
-              <a:buFont typeface="Arial" charset="0"/>
-              <a:buNone/>
-            </a:pPr>
-            <a:r>
-              <a:rPr lang="en-US" sz="4400" b="1" dirty="0">
-                <a:latin typeface="Calibri" charset="0"/>
-                <a:ea typeface="ＭＳ Ｐゴシック" charset="0"/>
-              </a:rPr>
-              <a:t>Introduction to tutorial </a:t>
-            </a:r>
-          </a:p>
-          <a:p>
-            <a:pPr algn="ctr">
-              <a:buFont typeface="Arial" charset="0"/>
-              <a:buNone/>
-            </a:pPr>
-            <a:r>
-              <a:rPr lang="en-US" sz="4400" b="1" dirty="0">
-                <a:latin typeface="Calibri" charset="0"/>
-                <a:ea typeface="ＭＳ Ｐゴシック" charset="0"/>
-              </a:rPr>
-              <a:t>(Module 3)</a:t>
-            </a:r>
-          </a:p>
-        </p:txBody>
-      </p:sp>
-    </p:spTree>
-    <p:extLst>
-      <p:ext uri="{BB962C8B-B14F-4D97-AF65-F5344CB8AC3E}">
-        <p14:creationId xmlns:p14="http://schemas.microsoft.com/office/powerpoint/2010/main" val="1230586898"/>
-      </p:ext>
-    </p:extLst>
-  </p:cSld>
-  <p:clrMapOvr>
-    <a:masterClrMapping/>
-  </p:clrMapOvr>
-</p:sld>
-</file>
-
-<file path=ppt/slides/slide25.xml><?xml version="1.0" encoding="utf-8"?>
-<p:sld xmlns:a="http://schemas.openxmlformats.org/drawingml/2006/main" xmlns:r="http://schemas.openxmlformats.org/officeDocument/2006/relationships" xmlns:p="http://schemas.openxmlformats.org/presentationml/2006/main">
-  <p:cSld>
-    <p:spTree>
-      <p:nvGrpSpPr>
-        <p:cNvPr id="1" name=""/>
-        <p:cNvGrpSpPr/>
-        <p:nvPr/>
-      </p:nvGrpSpPr>
-      <p:grpSpPr>
-        <a:xfrm>
-          <a:off x="0" y="0"/>
-          <a:ext cx="0" cy="0"/>
-          <a:chOff x="0" y="0"/>
-          <a:chExt cx="0" cy="0"/>
-        </a:xfrm>
-      </p:grpSpPr>
-      <p:sp>
-        <p:nvSpPr>
           <p:cNvPr id="19460" name="Title 4"/>
           <p:cNvSpPr>
             <a:spLocks noGrp="1"/>
@@ -9371,7 +8831,7 @@
         <p:spPr bwMode="auto">
           <a:xfrm>
             <a:off x="7999775" y="5454077"/>
-            <a:ext cx="1073832" cy="338554"/>
+            <a:ext cx="1074333" cy="338554"/>
           </a:xfrm>
           <a:prstGeom prst="rect">
             <a:avLst/>
@@ -9382,14 +8842,14 @@
           </a:ln>
           <a:extLst>
             <a:ext uri="{909E8E84-426E-40dd-AFC4-6F175D3DCCD1}">
-              <a14:hiddenFill xmlns:a14="http://schemas.microsoft.com/office/drawing/2010/main" xmlns="">
+              <a14:hiddenFill xmlns="" xmlns:a14="http://schemas.microsoft.com/office/drawing/2010/main">
                 <a:solidFill>
                   <a:srgbClr val="FFFFFF"/>
                 </a:solidFill>
               </a14:hiddenFill>
             </a:ext>
             <a:ext uri="{91240B29-F687-4f45-9708-019B960494DF}">
-              <a14:hiddenLine xmlns:a14="http://schemas.microsoft.com/office/drawing/2010/main" xmlns="" w="9525">
+              <a14:hiddenLine xmlns="" xmlns:a14="http://schemas.microsoft.com/office/drawing/2010/main" w="9525">
                 <a:solidFill>
                   <a:srgbClr val="000000"/>
                 </a:solidFill>
@@ -9531,7 +8991,7 @@
               <a:defRPr/>
             </a:pPr>
             <a:r>
-              <a:rPr kumimoji="0" lang="en-US" sz="1600" b="1" i="0" u="none" strike="noStrike" kern="0" cap="none" spc="0" normalizeH="0" baseline="0" noProof="0" dirty="0">
+              <a:rPr kumimoji="0" lang="en-US" sz="1600" b="1" i="0" u="none" strike="noStrike" kern="0" cap="none" spc="0" normalizeH="0" baseline="0" noProof="0">
                 <a:ln>
                   <a:noFill/>
                 </a:ln>
@@ -9544,7 +9004,7 @@
                 <a:latin typeface="Arial" charset="0"/>
                 <a:ea typeface="ＭＳ Ｐゴシック" charset="0"/>
               </a:rPr>
-              <a:t>Module 3</a:t>
+              <a:t>Module 9</a:t>
             </a:r>
           </a:p>
         </p:txBody>
@@ -9870,14 +9330,14 @@
             </a:ln>
             <a:extLst>
               <a:ext uri="{909E8E84-426E-40dd-AFC4-6F175D3DCCD1}">
-                <a14:hiddenFill xmlns:a14="http://schemas.microsoft.com/office/drawing/2010/main" xmlns="">
+                <a14:hiddenFill xmlns="" xmlns:a14="http://schemas.microsoft.com/office/drawing/2010/main">
                   <a:solidFill>
                     <a:srgbClr val="FFFFFF"/>
                   </a:solidFill>
                 </a14:hiddenFill>
               </a:ext>
               <a:ext uri="{91240B29-F687-4f45-9708-019B960494DF}">
-                <a14:hiddenLine xmlns:a14="http://schemas.microsoft.com/office/drawing/2010/main" xmlns="" w="9525">
+                <a14:hiddenLine xmlns="" xmlns:a14="http://schemas.microsoft.com/office/drawing/2010/main" w="9525">
                   <a:solidFill>
                     <a:srgbClr val="000000"/>
                   </a:solidFill>
@@ -10189,14 +9649,14 @@
             </a:ln>
             <a:extLst>
               <a:ext uri="{909E8E84-426E-40dd-AFC4-6F175D3DCCD1}">
-                <a14:hiddenFill xmlns:a14="http://schemas.microsoft.com/office/drawing/2010/main" xmlns="">
+                <a14:hiddenFill xmlns="" xmlns:a14="http://schemas.microsoft.com/office/drawing/2010/main">
                   <a:solidFill>
                     <a:srgbClr val="FFFFFF"/>
                   </a:solidFill>
                 </a14:hiddenFill>
               </a:ext>
               <a:ext uri="{91240B29-F687-4f45-9708-019B960494DF}">
-                <a14:hiddenLine xmlns:a14="http://schemas.microsoft.com/office/drawing/2010/main" xmlns="" w="9525">
+                <a14:hiddenLine xmlns="" xmlns:a14="http://schemas.microsoft.com/office/drawing/2010/main" w="9525">
                   <a:solidFill>
                     <a:srgbClr val="000000"/>
                   </a:solidFill>
@@ -10522,14 +9982,14 @@
             </a:ln>
             <a:extLst>
               <a:ext uri="{909E8E84-426E-40dd-AFC4-6F175D3DCCD1}">
-                <a14:hiddenFill xmlns:a14="http://schemas.microsoft.com/office/drawing/2010/main" xmlns="">
+                <a14:hiddenFill xmlns="" xmlns:a14="http://schemas.microsoft.com/office/drawing/2010/main">
                   <a:solidFill>
                     <a:srgbClr val="FFFFFF"/>
                   </a:solidFill>
                 </a14:hiddenFill>
               </a:ext>
               <a:ext uri="{91240B29-F687-4f45-9708-019B960494DF}">
-                <a14:hiddenLine xmlns:a14="http://schemas.microsoft.com/office/drawing/2010/main" xmlns="" w="9525">
+                <a14:hiddenLine xmlns="" xmlns:a14="http://schemas.microsoft.com/office/drawing/2010/main" w="9525">
                   <a:solidFill>
                     <a:srgbClr val="000000"/>
                   </a:solidFill>
@@ -10855,14 +10315,14 @@
             </a:ln>
             <a:extLst>
               <a:ext uri="{909E8E84-426E-40dd-AFC4-6F175D3DCCD1}">
-                <a14:hiddenFill xmlns:a14="http://schemas.microsoft.com/office/drawing/2010/main" xmlns="">
+                <a14:hiddenFill xmlns="" xmlns:a14="http://schemas.microsoft.com/office/drawing/2010/main">
                   <a:solidFill>
                     <a:srgbClr val="FFFFFF"/>
                   </a:solidFill>
                 </a14:hiddenFill>
               </a:ext>
               <a:ext uri="{91240B29-F687-4f45-9708-019B960494DF}">
-                <a14:hiddenLine xmlns:a14="http://schemas.microsoft.com/office/drawing/2010/main" xmlns="" w="9525">
+                <a14:hiddenLine xmlns="" xmlns:a14="http://schemas.microsoft.com/office/drawing/2010/main" w="9525">
                   <a:solidFill>
                     <a:srgbClr val="000000"/>
                   </a:solidFill>
@@ -11188,14 +10648,14 @@
             </a:ln>
             <a:extLst>
               <a:ext uri="{909E8E84-426E-40dd-AFC4-6F175D3DCCD1}">
-                <a14:hiddenFill xmlns:a14="http://schemas.microsoft.com/office/drawing/2010/main" xmlns="">
+                <a14:hiddenFill xmlns="" xmlns:a14="http://schemas.microsoft.com/office/drawing/2010/main">
                   <a:solidFill>
                     <a:srgbClr val="FFFFFF"/>
                   </a:solidFill>
                 </a14:hiddenFill>
               </a:ext>
               <a:ext uri="{91240B29-F687-4f45-9708-019B960494DF}">
-                <a14:hiddenLine xmlns:a14="http://schemas.microsoft.com/office/drawing/2010/main" xmlns="" w="9525">
+                <a14:hiddenLine xmlns="" xmlns:a14="http://schemas.microsoft.com/office/drawing/2010/main" w="9525">
                   <a:solidFill>
                     <a:srgbClr val="000000"/>
                   </a:solidFill>
@@ -11524,14 +10984,14 @@
             </a:ln>
             <a:extLst>
               <a:ext uri="{909E8E84-426E-40dd-AFC4-6F175D3DCCD1}">
-                <a14:hiddenFill xmlns:a14="http://schemas.microsoft.com/office/drawing/2010/main" xmlns="">
+                <a14:hiddenFill xmlns="" xmlns:a14="http://schemas.microsoft.com/office/drawing/2010/main">
                   <a:solidFill>
                     <a:srgbClr val="FFFFFF"/>
                   </a:solidFill>
                 </a14:hiddenFill>
               </a:ext>
               <a:ext uri="{91240B29-F687-4f45-9708-019B960494DF}">
-                <a14:hiddenLine xmlns:a14="http://schemas.microsoft.com/office/drawing/2010/main" xmlns="" w="9525">
+                <a14:hiddenLine xmlns="" xmlns:a14="http://schemas.microsoft.com/office/drawing/2010/main" w="9525">
                   <a:solidFill>
                     <a:srgbClr val="000000"/>
                   </a:solidFill>
@@ -12553,14 +12013,14 @@
           </a:ln>
           <a:extLst>
             <a:ext uri="{909E8E84-426E-40dd-AFC4-6F175D3DCCD1}">
-              <a14:hiddenFill xmlns:a14="http://schemas.microsoft.com/office/drawing/2010/main" xmlns="">
+              <a14:hiddenFill xmlns="" xmlns:a14="http://schemas.microsoft.com/office/drawing/2010/main">
                 <a:solidFill>
                   <a:srgbClr val="FFFFFF"/>
                 </a:solidFill>
               </a14:hiddenFill>
             </a:ext>
             <a:ext uri="{91240B29-F687-4f45-9708-019B960494DF}">
-              <a14:hiddenLine xmlns:a14="http://schemas.microsoft.com/office/drawing/2010/main" xmlns="" w="9525">
+              <a14:hiddenLine xmlns="" xmlns:a14="http://schemas.microsoft.com/office/drawing/2010/main" w="9525">
                 <a:solidFill>
                   <a:srgbClr val="000000"/>
                 </a:solidFill>
@@ -12733,7 +12193,7 @@
 </p:sld>
 </file>
 
-<file path=ppt/slides/slide26.xml><?xml version="1.0" encoding="utf-8"?>
+<file path=ppt/slides/slide25.xml><?xml version="1.0" encoding="utf-8"?>
 <p:sld xmlns:a="http://schemas.openxmlformats.org/drawingml/2006/main" xmlns:r="http://schemas.openxmlformats.org/officeDocument/2006/relationships" xmlns:p="http://schemas.openxmlformats.org/presentationml/2006/main">
   <p:cSld>
     <p:spTree>
@@ -13027,7 +12487,7 @@
                 <a:latin typeface="Calibri" charset="0"/>
                 <a:cs typeface="Segoe UI" charset="0"/>
               </a:rPr>
-              <a:t> Module 3</a:t>
+              <a:t> Module 9</a:t>
             </a:r>
             <a:br>
               <a:rPr lang="en-US" sz="4000" dirty="0">
@@ -13237,14 +12697,14 @@
           </a:ln>
           <a:extLst>
             <a:ext uri="{909E8E84-426E-40dd-AFC4-6F175D3DCCD1}">
-              <a14:hiddenFill xmlns="" xmlns:a14="http://schemas.microsoft.com/office/drawing/2010/main">
+              <a14:hiddenFill xmlns:a14="http://schemas.microsoft.com/office/drawing/2010/main" xmlns="">
                 <a:solidFill>
                   <a:srgbClr val="FFFFFF"/>
                 </a:solidFill>
               </a14:hiddenFill>
             </a:ext>
             <a:ext uri="{91240B29-F687-4f45-9708-019B960494DF}">
-              <a14:hiddenLine xmlns="" xmlns:a14="http://schemas.microsoft.com/office/drawing/2010/main" w="9525">
+              <a14:hiddenLine xmlns:a14="http://schemas.microsoft.com/office/drawing/2010/main" xmlns="" w="9525">
                 <a:solidFill>
                   <a:srgbClr val="000000"/>
                 </a:solidFill>
@@ -13343,7 +12803,7 @@
             </a:pPr>
             <a:r>
               <a:rPr lang="en-US" dirty="0"/>
-              <a:t>Module 1: Introduction to RNA Sequencing</a:t>
+              <a:t>Module 7: Introduction to RNA Sequencing</a:t>
             </a:r>
           </a:p>
           <a:p>
@@ -13352,7 +12812,7 @@
             </a:pPr>
             <a:r>
               <a:rPr lang="en-US" dirty="0"/>
-              <a:t>Module 2: Alignment and Visualization</a:t>
+              <a:t>Module 7: Alignment and Visualization</a:t>
             </a:r>
           </a:p>
           <a:p>
@@ -13361,7 +12821,7 @@
             </a:pPr>
             <a:r>
               <a:rPr lang="en-US" b="1" dirty="0"/>
-              <a:t>Module 3: Expression and Differential Expression</a:t>
+              <a:t>Module 9: Expression and Differential Expression</a:t>
             </a:r>
           </a:p>
           <a:p>
@@ -13370,7 +12830,7 @@
             </a:pPr>
             <a:r>
               <a:rPr lang="en-US" dirty="0"/>
-              <a:t>Module 4: Alignment Free Expression Estimation</a:t>
+              <a:t>Module 10: Alignment Free Expression Estimation</a:t>
             </a:r>
           </a:p>
           <a:p>
@@ -13379,7 +12839,7 @@
             </a:pPr>
             <a:r>
               <a:rPr lang="en-US" dirty="0"/>
-              <a:t>Module 5: Isoform Discovery and Alternative Expression</a:t>
+              <a:t>Module 11: Isoform Discovery and Alternative Expression</a:t>
             </a:r>
           </a:p>
           <a:p>
@@ -13533,7 +12993,7 @@
                 <a:latin typeface="Calibri" charset="0"/>
                 <a:ea typeface="ＭＳ Ｐゴシック" charset="0"/>
               </a:rPr>
-              <a:t>Learning Objectives of Module 3</a:t>
+              <a:t>Learning Objectives of Module 9</a:t>
             </a:r>
           </a:p>
         </p:txBody>
@@ -13735,14 +13195,14 @@
           </a:ln>
           <a:extLst>
             <a:ext uri="{909E8E84-426E-40dd-AFC4-6F175D3DCCD1}">
-              <a14:hiddenFill xmlns:a14="http://schemas.microsoft.com/office/drawing/2010/main" xmlns="">
+              <a14:hiddenFill xmlns="" xmlns:a14="http://schemas.microsoft.com/office/drawing/2010/main">
                 <a:solidFill>
                   <a:srgbClr val="FFFFFF"/>
                 </a:solidFill>
               </a14:hiddenFill>
             </a:ext>
             <a:ext uri="{91240B29-F687-4f45-9708-019B960494DF}">
-              <a14:hiddenLine xmlns:a14="http://schemas.microsoft.com/office/drawing/2010/main" xmlns="" w="9525">
+              <a14:hiddenLine xmlns="" xmlns:a14="http://schemas.microsoft.com/office/drawing/2010/main" w="9525">
                 <a:solidFill>
                   <a:srgbClr val="000000"/>
                 </a:solidFill>
@@ -13932,14 +13392,14 @@
           </a:ln>
           <a:extLst>
             <a:ext uri="{909E8E84-426E-40dd-AFC4-6F175D3DCCD1}">
-              <a14:hiddenFill xmlns:a14="http://schemas.microsoft.com/office/drawing/2010/main" xmlns="">
+              <a14:hiddenFill xmlns="" xmlns:a14="http://schemas.microsoft.com/office/drawing/2010/main">
                 <a:solidFill>
                   <a:srgbClr val="FFFFFF"/>
                 </a:solidFill>
               </a14:hiddenFill>
             </a:ext>
             <a:ext uri="{91240B29-F687-4f45-9708-019B960494DF}">
-              <a14:hiddenLine xmlns:a14="http://schemas.microsoft.com/office/drawing/2010/main" xmlns="" w="9525">
+              <a14:hiddenLine xmlns="" xmlns:a14="http://schemas.microsoft.com/office/drawing/2010/main" w="9525">
                 <a:solidFill>
                   <a:srgbClr val="000000"/>
                 </a:solidFill>
